--- a/R 최종발표.pptx
+++ b/R 최종발표.pptx
@@ -10404,6 +10404,196 @@
           </a:p>
         </p:txBody>
       </p:sp>
+      <p:grpSp>
+        <p:nvGrpSpPr>
+          <p:cNvPr id="2" name="그룹 1">
+            <a:extLst>
+              <a:ext uri="{FF2B5EF4-FFF2-40B4-BE49-F238E27FC236}">
+                <a16:creationId xmlns:a16="http://schemas.microsoft.com/office/drawing/2014/main" id="{A6360487-4F51-0B2D-26B3-571EE3FFCDBA}"/>
+              </a:ext>
+            </a:extLst>
+          </p:cNvPr>
+          <p:cNvGrpSpPr/>
+          <p:nvPr/>
+        </p:nvGrpSpPr>
+        <p:grpSpPr>
+          <a:xfrm>
+            <a:off x="9607645" y="2844049"/>
+            <a:ext cx="1738983" cy="369332"/>
+            <a:chOff x="367655" y="2844049"/>
+            <a:chExt cx="1738983" cy="369332"/>
+          </a:xfrm>
+        </p:grpSpPr>
+        <p:sp>
+          <p:nvSpPr>
+            <p:cNvPr id="6" name="TextBox 5">
+              <a:extLst>
+                <a:ext uri="{FF2B5EF4-FFF2-40B4-BE49-F238E27FC236}">
+                  <a16:creationId xmlns:a16="http://schemas.microsoft.com/office/drawing/2014/main" id="{B2E8F05B-7277-90D1-7483-DFD8E7197D7D}"/>
+                </a:ext>
+              </a:extLst>
+            </p:cNvPr>
+            <p:cNvSpPr txBox="1"/>
+            <p:nvPr/>
+          </p:nvSpPr>
+          <p:spPr>
+            <a:xfrm>
+              <a:off x="367655" y="2844049"/>
+              <a:ext cx="1738983" cy="369332"/>
+            </a:xfrm>
+            <a:prstGeom prst="rect">
+              <a:avLst/>
+            </a:prstGeom>
+            <a:noFill/>
+          </p:spPr>
+          <p:txBody>
+            <a:bodyPr wrap="square" rtlCol="0">
+              <a:spAutoFit/>
+            </a:bodyPr>
+            <a:lstStyle/>
+            <a:p>
+              <a:r>
+                <a:rPr lang="ko-KR" altLang="en-US" b="1" dirty="0"/>
+                <a:t>분석 인사이트</a:t>
+              </a:r>
+              <a:endParaRPr lang="en-US" altLang="ko-KR" b="1" dirty="0"/>
+            </a:p>
+          </p:txBody>
+        </p:sp>
+        <p:cxnSp>
+          <p:nvCxnSpPr>
+            <p:cNvPr id="7" name="직선 연결선 6">
+              <a:extLst>
+                <a:ext uri="{FF2B5EF4-FFF2-40B4-BE49-F238E27FC236}">
+                  <a16:creationId xmlns:a16="http://schemas.microsoft.com/office/drawing/2014/main" id="{39175819-D1D8-5285-D42E-2788CC8195A5}"/>
+                </a:ext>
+              </a:extLst>
+            </p:cNvPr>
+            <p:cNvCxnSpPr>
+              <a:cxnSpLocks/>
+            </p:cNvCxnSpPr>
+            <p:nvPr/>
+          </p:nvCxnSpPr>
+          <p:spPr>
+            <a:xfrm>
+              <a:off x="411685" y="2874024"/>
+              <a:ext cx="0" cy="309382"/>
+            </a:xfrm>
+            <a:prstGeom prst="line">
+              <a:avLst/>
+            </a:prstGeom>
+          </p:spPr>
+          <p:style>
+            <a:lnRef idx="2">
+              <a:schemeClr val="accent1"/>
+            </a:lnRef>
+            <a:fillRef idx="0">
+              <a:schemeClr val="accent1"/>
+            </a:fillRef>
+            <a:effectRef idx="1">
+              <a:schemeClr val="accent1"/>
+            </a:effectRef>
+            <a:fontRef idx="minor">
+              <a:schemeClr val="tx1"/>
+            </a:fontRef>
+          </p:style>
+        </p:cxnSp>
+      </p:grpSp>
+      <p:grpSp>
+        <p:nvGrpSpPr>
+          <p:cNvPr id="8" name="그룹 7">
+            <a:extLst>
+              <a:ext uri="{FF2B5EF4-FFF2-40B4-BE49-F238E27FC236}">
+                <a16:creationId xmlns:a16="http://schemas.microsoft.com/office/drawing/2014/main" id="{51EB3CD0-1909-7D50-0300-004A0419521B}"/>
+              </a:ext>
+            </a:extLst>
+          </p:cNvPr>
+          <p:cNvGrpSpPr/>
+          <p:nvPr/>
+        </p:nvGrpSpPr>
+        <p:grpSpPr>
+          <a:xfrm>
+            <a:off x="9597990" y="3384291"/>
+            <a:ext cx="1738983" cy="369332"/>
+            <a:chOff x="367655" y="2844049"/>
+            <a:chExt cx="1738983" cy="369332"/>
+          </a:xfrm>
+        </p:grpSpPr>
+        <p:sp>
+          <p:nvSpPr>
+            <p:cNvPr id="9" name="TextBox 8">
+              <a:extLst>
+                <a:ext uri="{FF2B5EF4-FFF2-40B4-BE49-F238E27FC236}">
+                  <a16:creationId xmlns:a16="http://schemas.microsoft.com/office/drawing/2014/main" id="{8687A97F-88B1-7D34-4B5E-35269B7B2720}"/>
+                </a:ext>
+              </a:extLst>
+            </p:cNvPr>
+            <p:cNvSpPr txBox="1"/>
+            <p:nvPr/>
+          </p:nvSpPr>
+          <p:spPr>
+            <a:xfrm>
+              <a:off x="367655" y="2844049"/>
+              <a:ext cx="1738983" cy="369332"/>
+            </a:xfrm>
+            <a:prstGeom prst="rect">
+              <a:avLst/>
+            </a:prstGeom>
+            <a:noFill/>
+          </p:spPr>
+          <p:txBody>
+            <a:bodyPr wrap="square" rtlCol="0">
+              <a:spAutoFit/>
+            </a:bodyPr>
+            <a:lstStyle/>
+            <a:p>
+              <a:r>
+                <a:rPr lang="ko-KR" altLang="en-US" b="1"/>
+                <a:t>아쉬운 점</a:t>
+              </a:r>
+              <a:endParaRPr lang="en-US" altLang="ko-KR" b="1" dirty="0"/>
+            </a:p>
+          </p:txBody>
+        </p:sp>
+        <p:cxnSp>
+          <p:nvCxnSpPr>
+            <p:cNvPr id="11" name="직선 연결선 10">
+              <a:extLst>
+                <a:ext uri="{FF2B5EF4-FFF2-40B4-BE49-F238E27FC236}">
+                  <a16:creationId xmlns:a16="http://schemas.microsoft.com/office/drawing/2014/main" id="{5476B757-81E2-2E0B-BC4C-A09389559641}"/>
+                </a:ext>
+              </a:extLst>
+            </p:cNvPr>
+            <p:cNvCxnSpPr>
+              <a:cxnSpLocks/>
+            </p:cNvCxnSpPr>
+            <p:nvPr/>
+          </p:nvCxnSpPr>
+          <p:spPr>
+            <a:xfrm>
+              <a:off x="411685" y="2874024"/>
+              <a:ext cx="0" cy="309382"/>
+            </a:xfrm>
+            <a:prstGeom prst="line">
+              <a:avLst/>
+            </a:prstGeom>
+          </p:spPr>
+          <p:style>
+            <a:lnRef idx="2">
+              <a:schemeClr val="accent1"/>
+            </a:lnRef>
+            <a:fillRef idx="0">
+              <a:schemeClr val="accent1"/>
+            </a:fillRef>
+            <a:effectRef idx="1">
+              <a:schemeClr val="accent1"/>
+            </a:effectRef>
+            <a:fontRef idx="minor">
+              <a:schemeClr val="tx1"/>
+            </a:fontRef>
+          </p:style>
+        </p:cxnSp>
+      </p:grpSp>
     </p:spTree>
     <p:extLst>
       <p:ext uri="{BB962C8B-B14F-4D97-AF65-F5344CB8AC3E}">

--- a/R 최종발표.pptx
+++ b/R 최종발표.pptx
@@ -12341,6 +12341,36 @@
           <a:xfrm>
             <a:off x="891589" y="3254930"/>
             <a:ext cx="5886769" cy="2747159"/>
+          </a:xfrm>
+          <a:prstGeom prst="rect">
+            <a:avLst/>
+          </a:prstGeom>
+        </p:spPr>
+      </p:pic>
+      <p:pic>
+        <p:nvPicPr>
+          <p:cNvPr id="8" name="그림 7">
+            <a:extLst>
+              <a:ext uri="{FF2B5EF4-FFF2-40B4-BE49-F238E27FC236}">
+                <a16:creationId xmlns:a16="http://schemas.microsoft.com/office/drawing/2014/main" id="{B1E9860D-4917-9B18-47C9-84C491E0DF4D}"/>
+              </a:ext>
+            </a:extLst>
+          </p:cNvPr>
+          <p:cNvPicPr>
+            <a:picLocks noChangeAspect="1"/>
+          </p:cNvPicPr>
+          <p:nvPr/>
+        </p:nvPicPr>
+        <p:blipFill>
+          <a:blip r:embed="rId4"/>
+          <a:stretch>
+            <a:fillRect/>
+          </a:stretch>
+        </p:blipFill>
+        <p:spPr>
+          <a:xfrm>
+            <a:off x="6886224" y="3254930"/>
+            <a:ext cx="5029902" cy="1838582"/>
           </a:xfrm>
           <a:prstGeom prst="rect">
             <a:avLst/>

--- a/R 최종발표.pptx
+++ b/R 최종발표.pptx
@@ -11728,7 +11728,7 @@
         <p:spPr>
           <a:xfrm>
             <a:off x="4814376" y="2635423"/>
-            <a:ext cx="6620558" cy="2554545"/>
+            <a:ext cx="6620558" cy="2862322"/>
           </a:xfrm>
           <a:prstGeom prst="rect">
             <a:avLst/>
@@ -11778,11 +11778,26 @@
             </a:r>
             <a:r>
               <a:rPr lang="en-US" altLang="ko-KR" sz="2000" b="1" dirty="0"/>
-              <a:t>, </a:t>
+              <a:t>(</a:t>
             </a:r>
             <a:r>
               <a:rPr lang="en-US" altLang="ko-KR" sz="2000" b="1" dirty="0" err="1"/>
-              <a:t>home_score</a:t>
+              <a:t>match_id.json</a:t>
+            </a:r>
+            <a:r>
+              <a:rPr lang="en-US" altLang="ko-KR" sz="2000" b="1" dirty="0"/>
+              <a:t>), </a:t>
+            </a:r>
+          </a:p>
+          <a:p>
+            <a:pPr marL="182563"/>
+            <a:r>
+              <a:rPr lang="en-US" altLang="ko-KR" sz="2000" b="1"/>
+              <a:t>  home</a:t>
+            </a:r>
+            <a:r>
+              <a:rPr lang="en-US" altLang="ko-KR" sz="2000" b="1" dirty="0" err="1"/>
+              <a:t>_score</a:t>
             </a:r>
             <a:r>
               <a:rPr lang="en-US" altLang="ko-KR" sz="2000" b="1" dirty="0"/>
